--- a/Furnature.pptx
+++ b/Furnature.pptx
@@ -218,7 +218,7 @@
           <a:p>
             <a:fld id="{6DF309E4-600A-434C-8042-BBFC10B3A6E5}" type="datetimeFigureOut">
               <a:rPr lang="en-GB" smtClean="0"/>
-              <a:t>11/04/2021</a:t>
+              <a:t>21/04/2021</a:t>
             </a:fld>
             <a:endParaRPr lang="en-GB"/>
           </a:p>
@@ -719,7 +719,7 @@
           <a:p>
             <a:fld id="{E00C0B55-EC60-4F43-AB55-484EE360BCB9}" type="datetimeFigureOut">
               <a:rPr lang="en-GB" smtClean="0"/>
-              <a:t>11/04/2021</a:t>
+              <a:t>21/04/2021</a:t>
             </a:fld>
             <a:endParaRPr lang="en-GB"/>
           </a:p>
@@ -931,7 +931,7 @@
           <a:p>
             <a:fld id="{E00C0B55-EC60-4F43-AB55-484EE360BCB9}" type="datetimeFigureOut">
               <a:rPr lang="en-GB" smtClean="0"/>
-              <a:t>11/04/2021</a:t>
+              <a:t>21/04/2021</a:t>
             </a:fld>
             <a:endParaRPr lang="en-GB"/>
           </a:p>
@@ -1153,7 +1153,7 @@
           <a:p>
             <a:fld id="{E00C0B55-EC60-4F43-AB55-484EE360BCB9}" type="datetimeFigureOut">
               <a:rPr lang="en-GB" smtClean="0"/>
-              <a:t>11/04/2021</a:t>
+              <a:t>21/04/2021</a:t>
             </a:fld>
             <a:endParaRPr lang="en-GB"/>
           </a:p>
@@ -1365,7 +1365,7 @@
           <a:p>
             <a:fld id="{E00C0B55-EC60-4F43-AB55-484EE360BCB9}" type="datetimeFigureOut">
               <a:rPr lang="en-GB" smtClean="0"/>
-              <a:t>11/04/2021</a:t>
+              <a:t>21/04/2021</a:t>
             </a:fld>
             <a:endParaRPr lang="en-GB"/>
           </a:p>
@@ -1653,7 +1653,7 @@
           <a:p>
             <a:fld id="{E00C0B55-EC60-4F43-AB55-484EE360BCB9}" type="datetimeFigureOut">
               <a:rPr lang="en-GB" smtClean="0"/>
-              <a:t>11/04/2021</a:t>
+              <a:t>21/04/2021</a:t>
             </a:fld>
             <a:endParaRPr lang="en-GB"/>
           </a:p>
@@ -1933,7 +1933,7 @@
           <a:p>
             <a:fld id="{E00C0B55-EC60-4F43-AB55-484EE360BCB9}" type="datetimeFigureOut">
               <a:rPr lang="en-GB" smtClean="0"/>
-              <a:t>11/04/2021</a:t>
+              <a:t>21/04/2021</a:t>
             </a:fld>
             <a:endParaRPr lang="en-GB"/>
           </a:p>
@@ -2360,7 +2360,7 @@
           <a:p>
             <a:fld id="{E00C0B55-EC60-4F43-AB55-484EE360BCB9}" type="datetimeFigureOut">
               <a:rPr lang="en-GB" smtClean="0"/>
-              <a:t>11/04/2021</a:t>
+              <a:t>21/04/2021</a:t>
             </a:fld>
             <a:endParaRPr lang="en-GB"/>
           </a:p>
@@ -2514,7 +2514,7 @@
           <a:p>
             <a:fld id="{E00C0B55-EC60-4F43-AB55-484EE360BCB9}" type="datetimeFigureOut">
               <a:rPr lang="en-GB" smtClean="0"/>
-              <a:t>11/04/2021</a:t>
+              <a:t>21/04/2021</a:t>
             </a:fld>
             <a:endParaRPr lang="en-GB"/>
           </a:p>
@@ -2639,7 +2639,7 @@
           <a:p>
             <a:fld id="{E00C0B55-EC60-4F43-AB55-484EE360BCB9}" type="datetimeFigureOut">
               <a:rPr lang="en-GB" smtClean="0"/>
-              <a:t>11/04/2021</a:t>
+              <a:t>21/04/2021</a:t>
             </a:fld>
             <a:endParaRPr lang="en-GB"/>
           </a:p>
@@ -2964,7 +2964,7 @@
           <a:p>
             <a:fld id="{E00C0B55-EC60-4F43-AB55-484EE360BCB9}" type="datetimeFigureOut">
               <a:rPr lang="en-GB" smtClean="0"/>
-              <a:t>11/04/2021</a:t>
+              <a:t>21/04/2021</a:t>
             </a:fld>
             <a:endParaRPr lang="en-GB"/>
           </a:p>
@@ -3265,7 +3265,7 @@
           <a:p>
             <a:fld id="{E00C0B55-EC60-4F43-AB55-484EE360BCB9}" type="datetimeFigureOut">
               <a:rPr lang="en-GB" smtClean="0"/>
-              <a:t>11/04/2021</a:t>
+              <a:t>21/04/2021</a:t>
             </a:fld>
             <a:endParaRPr lang="en-GB"/>
           </a:p>
@@ -3520,7 +3520,7 @@
           <a:p>
             <a:fld id="{E00C0B55-EC60-4F43-AB55-484EE360BCB9}" type="datetimeFigureOut">
               <a:rPr lang="en-GB" smtClean="0"/>
-              <a:t>11/04/2021</a:t>
+              <a:t>21/04/2021</a:t>
             </a:fld>
             <a:endParaRPr lang="en-GB"/>
           </a:p>
@@ -10563,7 +10563,7 @@
               <a:rPr lang="en-GB" sz="1400" dirty="0">
                 <a:latin typeface="+mj-lt"/>
               </a:rPr>
-              <a:t> Protocol</a:t>
+              <a:t> Interface</a:t>
             </a:r>
           </a:p>
           <a:p>
